--- a/Lecture-30/Lecture-30.pptx
+++ b/Lecture-30/Lecture-30.pptx
@@ -10480,7 +10480,7 @@
           <a:p>
             <a:fld id="{7E3D4EF1-0385-43D3-A179-699E3F2FE344}" type="datetime1">
               <a:rPr lang="en-IN" smtClean="0"/>
-              <a:t>23-11-2024</a:t>
+              <a:t>25-11-2024</a:t>
             </a:fld>
             <a:endParaRPr lang="en-IN" dirty="0"/>
           </a:p>
@@ -16131,7 +16131,7 @@
         <p:spPr>
           <a:xfrm>
             <a:off x="381000" y="878924"/>
-            <a:ext cx="8328660" cy="3170099"/>
+            <a:ext cx="8328660" cy="2554545"/>
           </a:xfrm>
           <a:prstGeom prst="rect">
             <a:avLst/>
@@ -16229,45 +16229,6 @@
               <a:latin typeface="Calibri" panose="020F0502020204030204" pitchFamily="34" charset="0"/>
               <a:cs typeface="Calibri" panose="020F0502020204030204" pitchFamily="34" charset="0"/>
             </a:endParaRPr>
-          </a:p>
-          <a:p>
-            <a:pPr marL="342900" indent="-342900">
-              <a:buFont typeface="Arial" panose="020B0604020202020204" pitchFamily="34" charset="0"/>
-              <a:buChar char="•"/>
-            </a:pPr>
-            <a:r>
-              <a:rPr lang="en-US" sz="2000" b="0" dirty="0">
-                <a:solidFill>
-                  <a:schemeClr val="tx1"/>
-                </a:solidFill>
-                <a:effectLst/>
-                <a:latin typeface="Calibri" panose="020F0502020204030204" pitchFamily="34" charset="0"/>
-                <a:cs typeface="Calibri" panose="020F0502020204030204" pitchFamily="34" charset="0"/>
-              </a:rPr>
-              <a:t>The </a:t>
-            </a:r>
-            <a:r>
-              <a:rPr lang="en-US" sz="2000" b="0" dirty="0" err="1">
-                <a:solidFill>
-                  <a:schemeClr val="tx1"/>
-                </a:solidFill>
-                <a:effectLst/>
-                <a:latin typeface="Calibri" panose="020F0502020204030204" pitchFamily="34" charset="0"/>
-                <a:cs typeface="Calibri" panose="020F0502020204030204" pitchFamily="34" charset="0"/>
-              </a:rPr>
-              <a:t>useMemo</a:t>
-            </a:r>
-            <a:r>
-              <a:rPr lang="en-US" sz="2000" b="0" dirty="0">
-                <a:solidFill>
-                  <a:schemeClr val="tx1"/>
-                </a:solidFill>
-                <a:effectLst/>
-                <a:latin typeface="Calibri" panose="020F0502020204030204" pitchFamily="34" charset="0"/>
-                <a:cs typeface="Calibri" panose="020F0502020204030204" pitchFamily="34" charset="0"/>
-              </a:rPr>
-              <a:t>()is a pre-defined React hook that takes two arguments: a compute function that calculates a result and an array of dependencies.</a:t>
-            </a:r>
           </a:p>
           <a:p>
             <a:endParaRPr lang="en-US" sz="2000" b="0" dirty="0">
